--- a/LAB/P4/Presentacion SCI - Practica Final.pptx
+++ b/LAB/P4/Presentacion SCI - Practica Final.pptx
@@ -129,7 +129,7 @@
 <file path=ppt/revisionInfo.xml><?xml version="1.0" encoding="utf-8"?>
 <p1510:revInfo xmlns:a="http://schemas.openxmlformats.org/drawingml/2006/main" xmlns:r="http://schemas.openxmlformats.org/officeDocument/2006/relationships" xmlns:p1510="http://schemas.microsoft.com/office/powerpoint/2015/10/main">
   <p1510:revLst>
-    <p1510:client id="{DAA880AA-9B21-984F-90D1-8EEF4F92BDAA}" v="1092" dt="2019-12-30T17:55:12.607"/>
+    <p1510:client id="{5792B282-B7EC-451C-80E6-0C579128C773}" v="1" dt="2020-01-01T11:33:37.439"/>
   </p1510:revLst>
 </p1510:revInfo>
 </file>
@@ -1114,18 +1114,26 @@
         <a:lstStyle/>
         <a:p>
           <a:r>
-            <a:rPr lang="es-ES" sz="2000"/>
+            <a:rPr lang="es-ES" sz="2000" dirty="0"/>
             <a:t>Los controladores </a:t>
           </a:r>
           <a:r>
-            <a:rPr lang="es-ES" sz="2000" err="1"/>
+            <a:rPr lang="es-ES" sz="2000" dirty="0" err="1"/>
             <a:t>neuroborrosos</a:t>
           </a:r>
           <a:r>
-            <a:rPr lang="es-ES" sz="2000"/>
-            <a:t> Sugeno nos proporcionan un controlador borroso modificable que actúa imitando los datos que le proporcionemos</a:t>
+            <a:rPr lang="es-ES" sz="2000" dirty="0"/>
+            <a:t> </a:t>
           </a:r>
-          <a:endParaRPr lang="en-US" sz="2000"/>
+          <a:r>
+            <a:rPr lang="es-ES" sz="2000" dirty="0" err="1"/>
+            <a:t>Sugeno</a:t>
+          </a:r>
+          <a:r>
+            <a:rPr lang="es-ES" sz="2000" dirty="0"/>
+            <a:t> nos proporcionan un controlador borroso que actúa imitando los datos que le proporcionemos</a:t>
+          </a:r>
+          <a:endParaRPr lang="en-US" sz="2000" dirty="0"/>
         </a:p>
       </dgm:t>
     </dgm:pt>
@@ -1597,18 +1605,26 @@
             <a:buNone/>
           </a:pPr>
           <a:r>
-            <a:rPr lang="es-ES" sz="2000" kern="1200"/>
+            <a:rPr lang="es-ES" sz="2000" kern="1200" dirty="0"/>
             <a:t>Los controladores </a:t>
           </a:r>
           <a:r>
-            <a:rPr lang="es-ES" sz="2000" kern="1200" err="1"/>
+            <a:rPr lang="es-ES" sz="2000" kern="1200" dirty="0" err="1"/>
             <a:t>neuroborrosos</a:t>
           </a:r>
           <a:r>
-            <a:rPr lang="es-ES" sz="2000" kern="1200"/>
-            <a:t> Sugeno nos proporcionan un controlador borroso modificable que actúa imitando los datos que le proporcionemos</a:t>
+            <a:rPr lang="es-ES" sz="2000" kern="1200" dirty="0"/>
+            <a:t> </a:t>
           </a:r>
-          <a:endParaRPr lang="en-US" sz="2000" kern="1200"/>
+          <a:r>
+            <a:rPr lang="es-ES" sz="2000" kern="1200" dirty="0" err="1"/>
+            <a:t>Sugeno</a:t>
+          </a:r>
+          <a:r>
+            <a:rPr lang="es-ES" sz="2000" kern="1200" dirty="0"/>
+            <a:t> nos proporcionan un controlador borroso que actúa imitando los datos que le proporcionemos</a:t>
+          </a:r>
+          <a:endParaRPr lang="en-US" sz="2000" kern="1200" dirty="0"/>
         </a:p>
       </dsp:txBody>
       <dsp:txXfrm>
@@ -3027,7 +3043,7 @@
           <a:p>
             <a:fld id="{EA0C0817-A112-4847-8014-A94B7D2A4EA3}" type="datetime1">
               <a:rPr lang="en-US" smtClean="0"/>
-              <a:t>12/31/19</a:t>
+              <a:t>1/1/2020</a:t>
             </a:fld>
             <a:endParaRPr lang="en-US"/>
           </a:p>
@@ -3195,7 +3211,7 @@
           <a:p>
             <a:fld id="{134F40B7-36AB-4376-BE14-EF7004D79BB9}" type="datetime1">
               <a:rPr lang="en-US" smtClean="0"/>
-              <a:t>12/31/19</a:t>
+              <a:t>1/1/2020</a:t>
             </a:fld>
             <a:endParaRPr lang="en-US"/>
           </a:p>
@@ -3373,7 +3389,7 @@
           <a:p>
             <a:fld id="{FF87CAB8-DCAE-46A5-AADA-B3FAD11A54E0}" type="datetime1">
               <a:rPr lang="en-US" smtClean="0"/>
-              <a:t>12/31/19</a:t>
+              <a:t>1/1/2020</a:t>
             </a:fld>
             <a:endParaRPr lang="en-US"/>
           </a:p>
@@ -3541,7 +3557,7 @@
           <a:p>
             <a:fld id="{7332B432-ACDA-4023-A761-2BAB76577B62}" type="datetime1">
               <a:rPr lang="en-US" smtClean="0"/>
-              <a:t>12/31/19</a:t>
+              <a:t>1/1/2020</a:t>
             </a:fld>
             <a:endParaRPr lang="en-US"/>
           </a:p>
@@ -3808,7 +3824,7 @@
           <a:p>
             <a:fld id="{D9C646AA-F36E-4540-911D-FFFC0A0EF24A}" type="datetime1">
               <a:rPr lang="en-US" smtClean="0"/>
-              <a:t>12/31/19</a:t>
+              <a:t>1/1/2020</a:t>
             </a:fld>
             <a:endParaRPr lang="en-US"/>
           </a:p>
@@ -4037,7 +4053,7 @@
           <a:p>
             <a:fld id="{69186D26-FA5F-4637-B602-B7C2DC34CFD4}" type="datetime1">
               <a:rPr lang="en-US" smtClean="0"/>
-              <a:t>12/31/19</a:t>
+              <a:t>1/1/2020</a:t>
             </a:fld>
             <a:endParaRPr lang="en-US"/>
           </a:p>
@@ -4394,7 +4410,7 @@
           <a:p>
             <a:fld id="{F6FA2B21-3FCD-4721-B95C-427943F61125}" type="datetime1">
               <a:rPr lang="en-US" smtClean="0"/>
-              <a:t>12/31/19</a:t>
+              <a:t>1/1/2020</a:t>
             </a:fld>
             <a:endParaRPr lang="en-US"/>
           </a:p>
@@ -4534,7 +4550,7 @@
           <a:p>
             <a:fld id="{F9A96C99-B8F8-4528-BD05-0E16E943DC09}" type="datetime1">
               <a:rPr lang="en-US" smtClean="0"/>
-              <a:t>12/31/19</a:t>
+              <a:t>1/1/2020</a:t>
             </a:fld>
             <a:endParaRPr lang="en-US"/>
           </a:p>
@@ -4629,7 +4645,7 @@
           <a:p>
             <a:fld id="{03636942-C211-4B28-8DBD-C953E00AF71B}" type="datetime1">
               <a:rPr lang="en-US" smtClean="0"/>
-              <a:t>12/31/19</a:t>
+              <a:t>1/1/2020</a:t>
             </a:fld>
             <a:endParaRPr lang="en-US"/>
           </a:p>
@@ -4984,7 +5000,7 @@
           <a:p>
             <a:fld id="{7E8D12A6-918A-48BD-8CB9-CA713993B0EA}" type="datetime1">
               <a:rPr lang="en-US" smtClean="0"/>
-              <a:t>12/31/19</a:t>
+              <a:t>1/1/2020</a:t>
             </a:fld>
             <a:endParaRPr lang="en-US"/>
           </a:p>
@@ -5340,7 +5356,7 @@
             <a:fld id="{E778CE86-875F-4587-BCF6-FA054AFC0D53}" type="datetime1">
               <a:rPr lang="en-US" smtClean="0"/>
               <a:pPr/>
-              <a:t>12/31/19</a:t>
+              <a:t>1/1/2020</a:t>
             </a:fld>
             <a:endParaRPr lang="en-US"/>
           </a:p>
@@ -5581,7 +5597,7 @@
           <a:p>
             <a:fld id="{F6FA2B21-3FCD-4721-B95C-427943F61125}" type="datetime1">
               <a:rPr lang="en-US" smtClean="0"/>
-              <a:t>12/31/19</a:t>
+              <a:t>1/1/2020</a:t>
             </a:fld>
             <a:endParaRPr lang="en-US"/>
           </a:p>
@@ -8257,7 +8273,7 @@
             <p:ph idx="1"/>
             <p:extLst>
               <p:ext uri="{D42A27DB-BD31-4B8C-83A1-F6EECF244321}">
-                <p14:modId xmlns:p14="http://schemas.microsoft.com/office/powerpoint/2010/main" val="409297098"/>
+                <p14:modId xmlns:p14="http://schemas.microsoft.com/office/powerpoint/2010/main" val="3950494123"/>
               </p:ext>
             </p:extLst>
           </p:nvPr>
